--- a/lesson-1-refactoring-from-a-monolith/Dependency_Graph.pptx
+++ b/lesson-1-refactoring-from-a-monolith/Dependency_Graph.pptx
@@ -6,6 +6,8 @@
   </p:sldMasterIdLst>
   <p:sldIdLst>
     <p:sldId id="256" r:id="rId2"/>
+    <p:sldId id="257" r:id="rId3"/>
+    <p:sldId id="258" r:id="rId4"/>
   </p:sldIdLst>
   <p:sldSz cx="12192000" cy="6858000"/>
   <p:notesSz cx="6858000" cy="9144000"/>
@@ -104,6 +106,11 @@
       </a:defRPr>
     </a:lvl9pPr>
   </p:defaultTextStyle>
+  <p:extLst>
+    <p:ext uri="{EFAFB233-063F-42B5-8137-9DF3F51BA10A}">
+      <p15:sldGuideLst xmlns:p15="http://schemas.microsoft.com/office/powerpoint/2012/main"/>
+    </p:ext>
+  </p:extLst>
 </p:presentation>
 </file>
 
@@ -256,7 +263,7 @@
           <a:p>
             <a:fld id="{064C3DC8-9105-4258-981E-4CF4A7E4E56F}" type="datetimeFigureOut">
               <a:rPr lang="de-CH" smtClean="0"/>
-              <a:t>24.01.2025</a:t>
+              <a:t>31.01.2025</a:t>
             </a:fld>
             <a:endParaRPr lang="de-CH"/>
           </a:p>
@@ -456,7 +463,7 @@
           <a:p>
             <a:fld id="{064C3DC8-9105-4258-981E-4CF4A7E4E56F}" type="datetimeFigureOut">
               <a:rPr lang="de-CH" smtClean="0"/>
-              <a:t>24.01.2025</a:t>
+              <a:t>31.01.2025</a:t>
             </a:fld>
             <a:endParaRPr lang="de-CH"/>
           </a:p>
@@ -666,7 +673,7 @@
           <a:p>
             <a:fld id="{064C3DC8-9105-4258-981E-4CF4A7E4E56F}" type="datetimeFigureOut">
               <a:rPr lang="de-CH" smtClean="0"/>
-              <a:t>24.01.2025</a:t>
+              <a:t>31.01.2025</a:t>
             </a:fld>
             <a:endParaRPr lang="de-CH"/>
           </a:p>
@@ -866,7 +873,7 @@
           <a:p>
             <a:fld id="{064C3DC8-9105-4258-981E-4CF4A7E4E56F}" type="datetimeFigureOut">
               <a:rPr lang="de-CH" smtClean="0"/>
-              <a:t>24.01.2025</a:t>
+              <a:t>31.01.2025</a:t>
             </a:fld>
             <a:endParaRPr lang="de-CH"/>
           </a:p>
@@ -1142,7 +1149,7 @@
           <a:p>
             <a:fld id="{064C3DC8-9105-4258-981E-4CF4A7E4E56F}" type="datetimeFigureOut">
               <a:rPr lang="de-CH" smtClean="0"/>
-              <a:t>24.01.2025</a:t>
+              <a:t>31.01.2025</a:t>
             </a:fld>
             <a:endParaRPr lang="de-CH"/>
           </a:p>
@@ -1410,7 +1417,7 @@
           <a:p>
             <a:fld id="{064C3DC8-9105-4258-981E-4CF4A7E4E56F}" type="datetimeFigureOut">
               <a:rPr lang="de-CH" smtClean="0"/>
-              <a:t>24.01.2025</a:t>
+              <a:t>31.01.2025</a:t>
             </a:fld>
             <a:endParaRPr lang="de-CH"/>
           </a:p>
@@ -1825,7 +1832,7 @@
           <a:p>
             <a:fld id="{064C3DC8-9105-4258-981E-4CF4A7E4E56F}" type="datetimeFigureOut">
               <a:rPr lang="de-CH" smtClean="0"/>
-              <a:t>24.01.2025</a:t>
+              <a:t>31.01.2025</a:t>
             </a:fld>
             <a:endParaRPr lang="de-CH"/>
           </a:p>
@@ -1967,7 +1974,7 @@
           <a:p>
             <a:fld id="{064C3DC8-9105-4258-981E-4CF4A7E4E56F}" type="datetimeFigureOut">
               <a:rPr lang="de-CH" smtClean="0"/>
-              <a:t>24.01.2025</a:t>
+              <a:t>31.01.2025</a:t>
             </a:fld>
             <a:endParaRPr lang="de-CH"/>
           </a:p>
@@ -2080,7 +2087,7 @@
           <a:p>
             <a:fld id="{064C3DC8-9105-4258-981E-4CF4A7E4E56F}" type="datetimeFigureOut">
               <a:rPr lang="de-CH" smtClean="0"/>
-              <a:t>24.01.2025</a:t>
+              <a:t>31.01.2025</a:t>
             </a:fld>
             <a:endParaRPr lang="de-CH"/>
           </a:p>
@@ -2393,7 +2400,7 @@
           <a:p>
             <a:fld id="{064C3DC8-9105-4258-981E-4CF4A7E4E56F}" type="datetimeFigureOut">
               <a:rPr lang="de-CH" smtClean="0"/>
-              <a:t>24.01.2025</a:t>
+              <a:t>31.01.2025</a:t>
             </a:fld>
             <a:endParaRPr lang="de-CH"/>
           </a:p>
@@ -2682,7 +2689,7 @@
           <a:p>
             <a:fld id="{064C3DC8-9105-4258-981E-4CF4A7E4E56F}" type="datetimeFigureOut">
               <a:rPr lang="de-CH" smtClean="0"/>
-              <a:t>24.01.2025</a:t>
+              <a:t>31.01.2025</a:t>
             </a:fld>
             <a:endParaRPr lang="de-CH"/>
           </a:p>
@@ -2925,7 +2932,7 @@
           <a:p>
             <a:fld id="{064C3DC8-9105-4258-981E-4CF4A7E4E56F}" type="datetimeFigureOut">
               <a:rPr lang="de-CH" smtClean="0"/>
-              <a:t>24.01.2025</a:t>
+              <a:t>31.01.2025</a:t>
             </a:fld>
             <a:endParaRPr lang="de-CH"/>
           </a:p>
@@ -3356,8 +3363,8 @@
         </p:nvSpPr>
         <p:spPr>
           <a:xfrm>
-            <a:off x="1729822" y="3083475"/>
-            <a:ext cx="1884017" cy="923330"/>
+            <a:off x="1564721" y="3083475"/>
+            <a:ext cx="1884017" cy="1354217"/>
           </a:xfrm>
           <a:prstGeom prst="rect">
             <a:avLst/>
@@ -3390,22 +3397,29 @@
             <a:br>
               <a:rPr lang="de-CH" dirty="0"/>
             </a:br>
-            <a:r>
-              <a:rPr lang="de-CH" dirty="0" err="1"/>
+            <a:br>
+              <a:rPr lang="de-CH" dirty="0"/>
+            </a:br>
+            <a:r>
+              <a:rPr lang="de-CH" sz="1400" dirty="0" err="1"/>
               <a:t>client</a:t>
             </a:r>
             <a:r>
-              <a:rPr lang="de-CH" dirty="0"/>
+              <a:rPr lang="de-CH" sz="1400" dirty="0"/>
               <a:t>/</a:t>
             </a:r>
             <a:r>
-              <a:rPr lang="de-CH" dirty="0" err="1"/>
+              <a:rPr lang="de-CH" sz="1400" dirty="0" err="1"/>
               <a:t>src</a:t>
             </a:r>
             <a:r>
-              <a:rPr lang="de-CH" dirty="0"/>
+              <a:rPr lang="de-CH" sz="1400" dirty="0"/>
               <a:t>/index.js</a:t>
             </a:r>
+            <a:br>
+              <a:rPr lang="de-CH" sz="1400" dirty="0"/>
+            </a:br>
+            <a:endParaRPr lang="de-CH" sz="1400" dirty="0"/>
           </a:p>
         </p:txBody>
       </p:sp>
@@ -3423,8 +3437,8 @@
         </p:nvSpPr>
         <p:spPr>
           <a:xfrm>
-            <a:off x="1729822" y="809247"/>
-            <a:ext cx="4366178" cy="461665"/>
+            <a:off x="764621" y="711706"/>
+            <a:ext cx="7319203" cy="830997"/>
           </a:xfrm>
           <a:prstGeom prst="rect">
             <a:avLst/>
@@ -3437,6 +3451,9 @@
           </a:bodyPr>
           <a:lstStyle/>
           <a:p>
+            <a:pPr marL="360000" indent="-360000">
+              <a:buAutoNum type="arabicPeriod"/>
+            </a:pPr>
             <a:r>
               <a:rPr lang="de-CH" sz="2400" dirty="0"/>
               <a:t>Monolith </a:t>
@@ -3447,7 +3464,7 @@
             </a:r>
             <a:r>
               <a:rPr lang="de-CH" sz="2400" dirty="0"/>
-              <a:t> Graph</a:t>
+              <a:t> Graph – Analyse Monolith App Software Architecture</a:t>
             </a:r>
           </a:p>
         </p:txBody>
@@ -3467,7 +3484,7 @@
         <p:spPr>
           <a:xfrm>
             <a:off x="5740400" y="1804313"/>
-            <a:ext cx="3308625" cy="2031325"/>
+            <a:ext cx="3308625" cy="1354217"/>
           </a:xfrm>
           <a:prstGeom prst="rect">
             <a:avLst/>
@@ -3511,46 +3528,36 @@
           <a:p>
             <a:pPr algn="ctr"/>
             <a:r>
-              <a:rPr lang="de-CH" dirty="0" err="1"/>
+              <a:rPr lang="de-CH" sz="1400" dirty="0" err="1"/>
               <a:t>loadCustomers</a:t>
             </a:r>
             <a:r>
-              <a:rPr lang="de-CH" dirty="0"/>
+              <a:rPr lang="de-CH" sz="1400" dirty="0"/>
               <a:t> = () </a:t>
             </a:r>
             <a:br>
-              <a:rPr lang="de-CH" dirty="0"/>
+              <a:rPr lang="de-CH" sz="1400" dirty="0"/>
             </a:br>
             <a:r>
-              <a:rPr lang="de-CH" dirty="0"/>
+              <a:rPr lang="de-CH" sz="1400" dirty="0"/>
               <a:t>(/</a:t>
             </a:r>
             <a:r>
-              <a:rPr lang="de-CH" dirty="0" err="1"/>
+              <a:rPr lang="de-CH" sz="1400" dirty="0" err="1"/>
               <a:t>api</a:t>
             </a:r>
             <a:r>
-              <a:rPr lang="de-CH" dirty="0"/>
+              <a:rPr lang="de-CH" sz="1400" dirty="0"/>
               <a:t>/</a:t>
             </a:r>
             <a:r>
-              <a:rPr lang="de-CH" dirty="0" err="1"/>
+              <a:rPr lang="de-CH" sz="1400" dirty="0" err="1"/>
               <a:t>customers</a:t>
             </a:r>
             <a:r>
-              <a:rPr lang="de-CH" dirty="0"/>
+              <a:rPr lang="de-CH" sz="1400" dirty="0"/>
               <a:t>)</a:t>
             </a:r>
-            <a:br>
-              <a:rPr lang="de-CH" dirty="0"/>
-            </a:br>
-            <a:endParaRPr lang="de-CH" dirty="0"/>
-          </a:p>
-          <a:p>
-            <a:pPr marL="285750" indent="-285750" algn="ctr">
-              <a:buFont typeface="Arial" panose="020B0604020202020204" pitchFamily="34" charset="0"/>
-              <a:buChar char="•"/>
-            </a:pPr>
             <a:endParaRPr lang="de-CH" dirty="0"/>
           </a:p>
         </p:txBody>
@@ -3573,8 +3580,8 @@
         </p:nvCxnSpPr>
         <p:spPr>
           <a:xfrm flipH="1">
-            <a:off x="3613839" y="2819976"/>
-            <a:ext cx="2126561" cy="725164"/>
+            <a:off x="3448738" y="2481422"/>
+            <a:ext cx="2291662" cy="1279162"/>
           </a:xfrm>
           <a:prstGeom prst="straightConnector1">
             <a:avLst/>
@@ -3616,8 +3623,8 @@
         </p:nvCxnSpPr>
         <p:spPr>
           <a:xfrm flipH="1" flipV="1">
-            <a:off x="3613839" y="3545140"/>
-            <a:ext cx="2126561" cy="1660229"/>
+            <a:off x="3448738" y="3760584"/>
+            <a:ext cx="2291663" cy="1244731"/>
           </a:xfrm>
           <a:prstGeom prst="straightConnector1">
             <a:avLst/>
@@ -3655,8 +3662,8 @@
         </p:nvSpPr>
         <p:spPr>
           <a:xfrm>
-            <a:off x="5740400" y="4328206"/>
-            <a:ext cx="3308625" cy="1754326"/>
+            <a:off x="5740401" y="4328206"/>
+            <a:ext cx="3143524" cy="1354217"/>
           </a:xfrm>
           <a:prstGeom prst="rect">
             <a:avLst/>
@@ -3704,35 +3711,256 @@
           <a:p>
             <a:pPr algn="ctr"/>
             <a:r>
-              <a:rPr lang="de-CH" dirty="0" err="1"/>
+              <a:rPr lang="de-CH" sz="1400" dirty="0" err="1"/>
               <a:t>loadEmployees</a:t>
             </a:r>
             <a:r>
+              <a:rPr lang="de-CH" sz="1400" dirty="0"/>
+              <a:t> = ()</a:t>
+            </a:r>
+            <a:br>
+              <a:rPr lang="de-CH" sz="1400" dirty="0"/>
+            </a:br>
+            <a:r>
+              <a:rPr lang="de-CH" sz="1400" dirty="0"/>
+              <a:t>(/</a:t>
+            </a:r>
+            <a:r>
+              <a:rPr lang="de-CH" sz="1400" dirty="0" err="1"/>
+              <a:t>api</a:t>
+            </a:r>
+            <a:r>
+              <a:rPr lang="de-CH" sz="1400" dirty="0"/>
+              <a:t>/</a:t>
+            </a:r>
+            <a:r>
+              <a:rPr lang="de-CH" sz="1400" dirty="0" err="1"/>
+              <a:t>employess</a:t>
+            </a:r>
+            <a:r>
+              <a:rPr lang="de-CH" sz="1400" dirty="0"/>
+              <a:t>)</a:t>
+            </a:r>
+          </a:p>
+        </p:txBody>
+      </p:sp>
+    </p:spTree>
+    <p:extLst>
+      <p:ext uri="{BB962C8B-B14F-4D97-AF65-F5344CB8AC3E}">
+        <p14:creationId xmlns:p14="http://schemas.microsoft.com/office/powerpoint/2010/main" val="3998365182"/>
+      </p:ext>
+    </p:extLst>
+  </p:cSld>
+  <p:clrMapOvr>
+    <a:masterClrMapping/>
+  </p:clrMapOvr>
+</p:sld>
+</file>
+
+<file path=ppt/slides/slide2.xml><?xml version="1.0" encoding="utf-8"?>
+<p:sld xmlns:a="http://schemas.openxmlformats.org/drawingml/2006/main" xmlns:r="http://schemas.openxmlformats.org/officeDocument/2006/relationships" xmlns:p="http://schemas.openxmlformats.org/presentationml/2006/main">
+  <p:cSld>
+    <p:spTree>
+      <p:nvGrpSpPr>
+        <p:cNvPr id="1" name=""/>
+        <p:cNvGrpSpPr/>
+        <p:nvPr/>
+      </p:nvGrpSpPr>
+      <p:grpSpPr>
+        <a:xfrm>
+          <a:off x="0" y="0"/>
+          <a:ext cx="0" cy="0"/>
+          <a:chOff x="0" y="0"/>
+          <a:chExt cx="0" cy="0"/>
+        </a:xfrm>
+      </p:grpSpPr>
+      <p:sp>
+        <p:nvSpPr>
+          <p:cNvPr id="4" name="Textfeld 3">
+            <a:extLst>
+              <a:ext uri="{FF2B5EF4-FFF2-40B4-BE49-F238E27FC236}">
+                <a16:creationId xmlns:a16="http://schemas.microsoft.com/office/drawing/2014/main" id="{90F0B7C3-CF70-49C5-B24B-8622A57412CE}"/>
+              </a:ext>
+            </a:extLst>
+          </p:cNvPr>
+          <p:cNvSpPr txBox="1"/>
+          <p:nvPr/>
+        </p:nvSpPr>
+        <p:spPr>
+          <a:xfrm>
+            <a:off x="1729822" y="3083475"/>
+            <a:ext cx="1884017" cy="1292662"/>
+          </a:xfrm>
+          <a:prstGeom prst="rect">
+            <a:avLst/>
+          </a:prstGeom>
+          <a:solidFill>
+            <a:schemeClr val="tx2">
+              <a:lumMod val="40000"/>
+              <a:lumOff val="60000"/>
+            </a:schemeClr>
+          </a:solidFill>
+        </p:spPr>
+        <p:txBody>
+          <a:bodyPr wrap="square" rtlCol="0">
+            <a:spAutoFit/>
+          </a:bodyPr>
+          <a:lstStyle/>
+          <a:p>
+            <a:pPr algn="ctr"/>
+            <a:r>
               <a:rPr lang="de-CH" dirty="0"/>
-              <a:t> = ()</a:t>
+              <a:t>A</a:t>
             </a:r>
             <a:br>
               <a:rPr lang="de-CH" dirty="0"/>
             </a:br>
             <a:r>
               <a:rPr lang="de-CH" dirty="0"/>
-              <a:t>(/</a:t>
-            </a:r>
-            <a:r>
-              <a:rPr lang="de-CH" dirty="0" err="1"/>
-              <a:t>api</a:t>
-            </a:r>
-            <a:r>
+              <a:t>Frontend Client</a:t>
+            </a:r>
+            <a:br>
               <a:rPr lang="de-CH" dirty="0"/>
+            </a:br>
+            <a:br>
+              <a:rPr lang="de-CH" sz="1400" dirty="0"/>
+            </a:br>
+            <a:r>
+              <a:rPr lang="de-CH" sz="1400" dirty="0" err="1"/>
+              <a:t>client</a:t>
+            </a:r>
+            <a:r>
+              <a:rPr lang="de-CH" sz="1400" dirty="0"/>
               <a:t>/</a:t>
             </a:r>
             <a:r>
-              <a:rPr lang="de-CH" dirty="0" err="1"/>
-              <a:t>employess</a:t>
-            </a:r>
+              <a:rPr lang="de-CH" sz="1400" dirty="0" err="1"/>
+              <a:t>src</a:t>
+            </a:r>
+            <a:r>
+              <a:rPr lang="de-CH" sz="1400" dirty="0"/>
+              <a:t>/index.js</a:t>
+            </a:r>
+            <a:br>
+              <a:rPr lang="de-CH" sz="1400" dirty="0"/>
+            </a:br>
+            <a:endParaRPr lang="de-CH" sz="1400" dirty="0"/>
+          </a:p>
+        </p:txBody>
+      </p:sp>
+      <p:sp>
+        <p:nvSpPr>
+          <p:cNvPr id="6" name="Textfeld 5">
+            <a:extLst>
+              <a:ext uri="{FF2B5EF4-FFF2-40B4-BE49-F238E27FC236}">
+                <a16:creationId xmlns:a16="http://schemas.microsoft.com/office/drawing/2014/main" id="{7A062C87-9CBB-4648-8EEA-C10E78C8F51F}"/>
+              </a:ext>
+            </a:extLst>
+          </p:cNvPr>
+          <p:cNvSpPr txBox="1"/>
+          <p:nvPr/>
+        </p:nvSpPr>
+        <p:spPr>
+          <a:xfrm>
+            <a:off x="706505" y="749217"/>
+            <a:ext cx="7109378" cy="830997"/>
+          </a:xfrm>
+          <a:prstGeom prst="rect">
+            <a:avLst/>
+          </a:prstGeom>
+          <a:noFill/>
+        </p:spPr>
+        <p:txBody>
+          <a:bodyPr wrap="square" rtlCol="0">
+            <a:spAutoFit/>
+          </a:bodyPr>
+          <a:lstStyle/>
+          <a:p>
+            <a:pPr marL="360000" indent="-360000"/>
+            <a:r>
+              <a:rPr lang="de-CH" sz="2400" dirty="0"/>
+              <a:t>2. 	Monolith </a:t>
+            </a:r>
+            <a:r>
+              <a:rPr lang="de-CH" sz="2400" dirty="0" err="1"/>
+              <a:t>Dependency</a:t>
+            </a:r>
+            <a:r>
+              <a:rPr lang="de-CH" sz="2400" dirty="0"/>
+              <a:t> Graph –  </a:t>
+            </a:r>
+            <a:r>
+              <a:rPr lang="de-CH" sz="2400" dirty="0" err="1"/>
+              <a:t>Rework</a:t>
+            </a:r>
+            <a:r>
+              <a:rPr lang="de-CH" sz="2400" dirty="0"/>
+              <a:t> </a:t>
+            </a:r>
+            <a:r>
+              <a:rPr lang="de-CH" sz="2400" dirty="0" err="1"/>
+              <a:t>app</a:t>
+            </a:r>
+            <a:r>
+              <a:rPr lang="de-CH" sz="2400" dirty="0"/>
+              <a:t> </a:t>
+            </a:r>
+            <a:r>
+              <a:rPr lang="de-CH" sz="2400" dirty="0" err="1"/>
+              <a:t>by</a:t>
+            </a:r>
+            <a:r>
+              <a:rPr lang="de-CH" sz="2400" dirty="0"/>
+              <a:t> </a:t>
+            </a:r>
+            <a:r>
+              <a:rPr lang="de-CH" sz="2400" dirty="0" err="1"/>
+              <a:t>splitting</a:t>
+            </a:r>
+            <a:r>
+              <a:rPr lang="de-CH" sz="2400" dirty="0"/>
+              <a:t> «Customer Route» and «Customer Service»</a:t>
+            </a:r>
+          </a:p>
+        </p:txBody>
+      </p:sp>
+      <p:sp>
+        <p:nvSpPr>
+          <p:cNvPr id="8" name="Textfeld 7">
+            <a:extLst>
+              <a:ext uri="{FF2B5EF4-FFF2-40B4-BE49-F238E27FC236}">
+                <a16:creationId xmlns:a16="http://schemas.microsoft.com/office/drawing/2014/main" id="{AC29E983-DE75-4C38-81E5-8C3F81670678}"/>
+              </a:ext>
+            </a:extLst>
+          </p:cNvPr>
+          <p:cNvSpPr txBox="1"/>
+          <p:nvPr/>
+        </p:nvSpPr>
+        <p:spPr>
+          <a:xfrm>
+            <a:off x="4878111" y="1829828"/>
+            <a:ext cx="2374899" cy="1354217"/>
+          </a:xfrm>
+          <a:prstGeom prst="rect">
+            <a:avLst/>
+          </a:prstGeom>
+          <a:solidFill>
+            <a:schemeClr val="tx2">
+              <a:lumMod val="40000"/>
+              <a:lumOff val="60000"/>
+            </a:schemeClr>
+          </a:solidFill>
+        </p:spPr>
+        <p:txBody>
+          <a:bodyPr wrap="square" rtlCol="0">
+            <a:spAutoFit/>
+          </a:bodyPr>
+          <a:lstStyle/>
+          <a:p>
+            <a:pPr algn="ctr"/>
             <a:r>
               <a:rPr lang="de-CH" dirty="0"/>
-              <a:t>)</a:t>
+              <a:t>B </a:t>
             </a:r>
           </a:p>
           <a:p>
@@ -3740,14 +3968,1346 @@
               <a:buFont typeface="Arial" panose="020B0604020202020204" pitchFamily="34" charset="0"/>
               <a:buChar char="•"/>
             </a:pPr>
+            <a:r>
+              <a:rPr lang="de-CH" dirty="0"/>
+              <a:t>Customers Route</a:t>
+            </a:r>
+          </a:p>
+          <a:p>
+            <a:pPr algn="ctr"/>
+            <a:r>
+              <a:rPr lang="de-CH" sz="1400" dirty="0" err="1"/>
+              <a:t>loadCustomers</a:t>
+            </a:r>
+            <a:r>
+              <a:rPr lang="de-CH" sz="1400" dirty="0"/>
+              <a:t> = () </a:t>
+            </a:r>
+            <a:br>
+              <a:rPr lang="de-CH" sz="1400" dirty="0"/>
+            </a:br>
+            <a:r>
+              <a:rPr lang="de-CH" sz="1400" dirty="0"/>
+              <a:t>(/</a:t>
+            </a:r>
+            <a:r>
+              <a:rPr lang="de-CH" sz="1400" dirty="0" err="1"/>
+              <a:t>api</a:t>
+            </a:r>
+            <a:r>
+              <a:rPr lang="de-CH" sz="1400" dirty="0"/>
+              <a:t>/</a:t>
+            </a:r>
+            <a:r>
+              <a:rPr lang="de-CH" sz="1400" dirty="0" err="1"/>
+              <a:t>customers</a:t>
+            </a:r>
+            <a:r>
+              <a:rPr lang="de-CH" sz="1400" dirty="0"/>
+              <a:t>)</a:t>
+            </a:r>
+          </a:p>
+          <a:p>
+            <a:pPr algn="ctr"/>
             <a:endParaRPr lang="de-CH" dirty="0"/>
           </a:p>
         </p:txBody>
       </p:sp>
+      <p:cxnSp>
+        <p:nvCxnSpPr>
+          <p:cNvPr id="10" name="Gerade Verbindung mit Pfeil 9">
+            <a:extLst>
+              <a:ext uri="{FF2B5EF4-FFF2-40B4-BE49-F238E27FC236}">
+                <a16:creationId xmlns:a16="http://schemas.microsoft.com/office/drawing/2014/main" id="{194582D6-AA07-4C03-972E-63E7ECA885A1}"/>
+              </a:ext>
+            </a:extLst>
+          </p:cNvPr>
+          <p:cNvCxnSpPr>
+            <a:cxnSpLocks/>
+            <a:endCxn id="4" idx="3"/>
+          </p:cNvCxnSpPr>
+          <p:nvPr/>
+        </p:nvCxnSpPr>
+        <p:spPr>
+          <a:xfrm flipH="1">
+            <a:off x="3613839" y="2399581"/>
+            <a:ext cx="1264272" cy="1330225"/>
+          </a:xfrm>
+          <a:prstGeom prst="straightConnector1">
+            <a:avLst/>
+          </a:prstGeom>
+          <a:ln w="38100">
+            <a:tailEnd type="triangle"/>
+          </a:ln>
+        </p:spPr>
+        <p:style>
+          <a:lnRef idx="1">
+            <a:schemeClr val="accent1"/>
+          </a:lnRef>
+          <a:fillRef idx="0">
+            <a:schemeClr val="accent1"/>
+          </a:fillRef>
+          <a:effectRef idx="0">
+            <a:schemeClr val="accent1"/>
+          </a:effectRef>
+          <a:fontRef idx="minor">
+            <a:schemeClr val="tx1"/>
+          </a:fontRef>
+        </p:style>
+      </p:cxnSp>
+      <p:cxnSp>
+        <p:nvCxnSpPr>
+          <p:cNvPr id="13" name="Gerade Verbindung mit Pfeil 12">
+            <a:extLst>
+              <a:ext uri="{FF2B5EF4-FFF2-40B4-BE49-F238E27FC236}">
+                <a16:creationId xmlns:a16="http://schemas.microsoft.com/office/drawing/2014/main" id="{5D2D4CED-C5C1-49D4-9445-ED66A3591611}"/>
+              </a:ext>
+            </a:extLst>
+          </p:cNvPr>
+          <p:cNvCxnSpPr>
+            <a:cxnSpLocks/>
+            <a:stCxn id="22" idx="1"/>
+            <a:endCxn id="4" idx="3"/>
+          </p:cNvCxnSpPr>
+          <p:nvPr/>
+        </p:nvCxnSpPr>
+        <p:spPr>
+          <a:xfrm flipH="1" flipV="1">
+            <a:off x="3613839" y="3729806"/>
+            <a:ext cx="1294711" cy="977014"/>
+          </a:xfrm>
+          <a:prstGeom prst="straightConnector1">
+            <a:avLst/>
+          </a:prstGeom>
+          <a:ln w="38100">
+            <a:tailEnd type="triangle"/>
+          </a:ln>
+        </p:spPr>
+        <p:style>
+          <a:lnRef idx="1">
+            <a:schemeClr val="accent1"/>
+          </a:lnRef>
+          <a:fillRef idx="0">
+            <a:schemeClr val="accent1"/>
+          </a:fillRef>
+          <a:effectRef idx="0">
+            <a:schemeClr val="accent1"/>
+          </a:effectRef>
+          <a:fontRef idx="minor">
+            <a:schemeClr val="tx1"/>
+          </a:fontRef>
+        </p:style>
+      </p:cxnSp>
+      <p:sp>
+        <p:nvSpPr>
+          <p:cNvPr id="22" name="Textfeld 21">
+            <a:extLst>
+              <a:ext uri="{FF2B5EF4-FFF2-40B4-BE49-F238E27FC236}">
+                <a16:creationId xmlns:a16="http://schemas.microsoft.com/office/drawing/2014/main" id="{B2BCB524-8927-45F1-838D-04710BEDF303}"/>
+              </a:ext>
+            </a:extLst>
+          </p:cNvPr>
+          <p:cNvSpPr txBox="1"/>
+          <p:nvPr/>
+        </p:nvSpPr>
+        <p:spPr>
+          <a:xfrm>
+            <a:off x="4908550" y="4029711"/>
+            <a:ext cx="2374900" cy="1354217"/>
+          </a:xfrm>
+          <a:prstGeom prst="rect">
+            <a:avLst/>
+          </a:prstGeom>
+          <a:solidFill>
+            <a:schemeClr val="tx2">
+              <a:lumMod val="40000"/>
+              <a:lumOff val="60000"/>
+            </a:schemeClr>
+          </a:solidFill>
+        </p:spPr>
+        <p:txBody>
+          <a:bodyPr wrap="square" rtlCol="0">
+            <a:spAutoFit/>
+          </a:bodyPr>
+          <a:lstStyle/>
+          <a:p>
+            <a:pPr algn="ctr"/>
+            <a:r>
+              <a:rPr lang="de-CH" dirty="0"/>
+              <a:t>B </a:t>
+            </a:r>
+          </a:p>
+          <a:p>
+            <a:pPr algn="ctr"/>
+            <a:r>
+              <a:rPr lang="de-CH" dirty="0"/>
+              <a:t>Services (API)</a:t>
+            </a:r>
+          </a:p>
+          <a:p>
+            <a:pPr marL="285750" indent="-285750" algn="ctr">
+              <a:buFont typeface="Arial" panose="020B0604020202020204" pitchFamily="34" charset="0"/>
+              <a:buChar char="•"/>
+            </a:pPr>
+            <a:r>
+              <a:rPr lang="de-CH" dirty="0" err="1"/>
+              <a:t>Employees</a:t>
+            </a:r>
+            <a:r>
+              <a:rPr lang="de-CH" dirty="0"/>
+              <a:t> Route</a:t>
+            </a:r>
+          </a:p>
+          <a:p>
+            <a:pPr algn="ctr"/>
+            <a:r>
+              <a:rPr lang="de-CH" sz="1400" dirty="0" err="1"/>
+              <a:t>loadEmployees</a:t>
+            </a:r>
+            <a:r>
+              <a:rPr lang="de-CH" sz="1400" dirty="0"/>
+              <a:t> = ()</a:t>
+            </a:r>
+            <a:br>
+              <a:rPr lang="de-CH" sz="1400" dirty="0"/>
+            </a:br>
+            <a:r>
+              <a:rPr lang="de-CH" sz="1400" dirty="0"/>
+              <a:t>(/</a:t>
+            </a:r>
+            <a:r>
+              <a:rPr lang="de-CH" sz="1400" dirty="0" err="1"/>
+              <a:t>api</a:t>
+            </a:r>
+            <a:r>
+              <a:rPr lang="de-CH" sz="1400" dirty="0"/>
+              <a:t>/</a:t>
+            </a:r>
+            <a:r>
+              <a:rPr lang="de-CH" sz="1400" dirty="0" err="1"/>
+              <a:t>employess</a:t>
+            </a:r>
+            <a:r>
+              <a:rPr lang="de-CH" sz="1400" dirty="0"/>
+              <a:t>)</a:t>
+            </a:r>
+          </a:p>
+        </p:txBody>
+      </p:sp>
+      <p:sp>
+        <p:nvSpPr>
+          <p:cNvPr id="15" name="Textfeld 14">
+            <a:extLst>
+              <a:ext uri="{FF2B5EF4-FFF2-40B4-BE49-F238E27FC236}">
+                <a16:creationId xmlns:a16="http://schemas.microsoft.com/office/drawing/2014/main" id="{5DAE4921-3F98-435D-828D-FD291230B356}"/>
+              </a:ext>
+            </a:extLst>
+          </p:cNvPr>
+          <p:cNvSpPr txBox="1"/>
+          <p:nvPr/>
+        </p:nvSpPr>
+        <p:spPr>
+          <a:xfrm>
+            <a:off x="8688111" y="1829828"/>
+            <a:ext cx="2374899" cy="1415772"/>
+          </a:xfrm>
+          <a:prstGeom prst="rect">
+            <a:avLst/>
+          </a:prstGeom>
+          <a:solidFill>
+            <a:schemeClr val="tx2">
+              <a:lumMod val="40000"/>
+              <a:lumOff val="60000"/>
+            </a:schemeClr>
+          </a:solidFill>
+        </p:spPr>
+        <p:txBody>
+          <a:bodyPr wrap="square" rtlCol="0">
+            <a:spAutoFit/>
+          </a:bodyPr>
+          <a:lstStyle/>
+          <a:p>
+            <a:pPr algn="ctr"/>
+            <a:r>
+              <a:rPr lang="de-CH" dirty="0"/>
+              <a:t>C </a:t>
+            </a:r>
+          </a:p>
+          <a:p>
+            <a:pPr marL="285750" indent="-285750" algn="ctr">
+              <a:buFont typeface="Arial" panose="020B0604020202020204" pitchFamily="34" charset="0"/>
+              <a:buChar char="•"/>
+            </a:pPr>
+            <a:r>
+              <a:rPr lang="de-CH" dirty="0"/>
+              <a:t>Customer Service</a:t>
+            </a:r>
+          </a:p>
+          <a:p>
+            <a:pPr algn="ctr"/>
+            <a:r>
+              <a:rPr lang="de-CH" sz="1400" dirty="0" err="1"/>
+              <a:t>def</a:t>
+            </a:r>
+            <a:r>
+              <a:rPr lang="de-CH" sz="1400" dirty="0"/>
+              <a:t> </a:t>
+            </a:r>
+            <a:r>
+              <a:rPr lang="de-CH" sz="1400" dirty="0" err="1"/>
+              <a:t>getCustomers</a:t>
+            </a:r>
+            <a:r>
+              <a:rPr lang="de-CH" sz="1400" dirty="0"/>
+              <a:t>()</a:t>
+            </a:r>
+            <a:br>
+              <a:rPr lang="de-CH" sz="1400" dirty="0"/>
+            </a:br>
+            <a:br>
+              <a:rPr lang="de-CH" dirty="0"/>
+            </a:br>
+            <a:endParaRPr lang="de-CH" dirty="0"/>
+          </a:p>
+        </p:txBody>
+      </p:sp>
+      <p:cxnSp>
+        <p:nvCxnSpPr>
+          <p:cNvPr id="16" name="Gerade Verbindung mit Pfeil 15">
+            <a:extLst>
+              <a:ext uri="{FF2B5EF4-FFF2-40B4-BE49-F238E27FC236}">
+                <a16:creationId xmlns:a16="http://schemas.microsoft.com/office/drawing/2014/main" id="{42A741B9-7603-4560-8110-8698A5E08C4B}"/>
+              </a:ext>
+            </a:extLst>
+          </p:cNvPr>
+          <p:cNvCxnSpPr>
+            <a:cxnSpLocks/>
+            <a:stCxn id="15" idx="1"/>
+            <a:endCxn id="8" idx="3"/>
+          </p:cNvCxnSpPr>
+          <p:nvPr/>
+        </p:nvCxnSpPr>
+        <p:spPr>
+          <a:xfrm flipH="1" flipV="1">
+            <a:off x="7253010" y="2506937"/>
+            <a:ext cx="1435101" cy="30777"/>
+          </a:xfrm>
+          <a:prstGeom prst="straightConnector1">
+            <a:avLst/>
+          </a:prstGeom>
+          <a:ln w="38100">
+            <a:tailEnd type="triangle"/>
+          </a:ln>
+        </p:spPr>
+        <p:style>
+          <a:lnRef idx="1">
+            <a:schemeClr val="accent1"/>
+          </a:lnRef>
+          <a:fillRef idx="0">
+            <a:schemeClr val="accent1"/>
+          </a:fillRef>
+          <a:effectRef idx="0">
+            <a:schemeClr val="accent1"/>
+          </a:effectRef>
+          <a:fontRef idx="minor">
+            <a:schemeClr val="tx1"/>
+          </a:fontRef>
+        </p:style>
+      </p:cxnSp>
     </p:spTree>
     <p:extLst>
       <p:ext uri="{BB962C8B-B14F-4D97-AF65-F5344CB8AC3E}">
-        <p14:creationId xmlns:p14="http://schemas.microsoft.com/office/powerpoint/2010/main" val="3998365182"/>
+        <p14:creationId xmlns:p14="http://schemas.microsoft.com/office/powerpoint/2010/main" val="3121136112"/>
+      </p:ext>
+    </p:extLst>
+  </p:cSld>
+  <p:clrMapOvr>
+    <a:masterClrMapping/>
+  </p:clrMapOvr>
+</p:sld>
+</file>
+
+<file path=ppt/slides/slide3.xml><?xml version="1.0" encoding="utf-8"?>
+<p:sld xmlns:a="http://schemas.openxmlformats.org/drawingml/2006/main" xmlns:r="http://schemas.openxmlformats.org/officeDocument/2006/relationships" xmlns:p="http://schemas.openxmlformats.org/presentationml/2006/main">
+  <p:cSld>
+    <p:spTree>
+      <p:nvGrpSpPr>
+        <p:cNvPr id="1" name=""/>
+        <p:cNvGrpSpPr/>
+        <p:nvPr/>
+      </p:nvGrpSpPr>
+      <p:grpSpPr>
+        <a:xfrm>
+          <a:off x="0" y="0"/>
+          <a:ext cx="0" cy="0"/>
+          <a:chOff x="0" y="0"/>
+          <a:chExt cx="0" cy="0"/>
+        </a:xfrm>
+      </p:grpSpPr>
+      <p:sp>
+        <p:nvSpPr>
+          <p:cNvPr id="4" name="Textfeld 3">
+            <a:extLst>
+              <a:ext uri="{FF2B5EF4-FFF2-40B4-BE49-F238E27FC236}">
+                <a16:creationId xmlns:a16="http://schemas.microsoft.com/office/drawing/2014/main" id="{90F0B7C3-CF70-49C5-B24B-8622A57412CE}"/>
+              </a:ext>
+            </a:extLst>
+          </p:cNvPr>
+          <p:cNvSpPr txBox="1"/>
+          <p:nvPr/>
+        </p:nvSpPr>
+        <p:spPr>
+          <a:xfrm>
+            <a:off x="1729822" y="3083475"/>
+            <a:ext cx="1884017" cy="1292662"/>
+          </a:xfrm>
+          <a:prstGeom prst="rect">
+            <a:avLst/>
+          </a:prstGeom>
+          <a:solidFill>
+            <a:schemeClr val="tx2">
+              <a:lumMod val="40000"/>
+              <a:lumOff val="60000"/>
+            </a:schemeClr>
+          </a:solidFill>
+        </p:spPr>
+        <p:txBody>
+          <a:bodyPr wrap="square" rtlCol="0">
+            <a:spAutoFit/>
+          </a:bodyPr>
+          <a:lstStyle/>
+          <a:p>
+            <a:pPr algn="ctr"/>
+            <a:r>
+              <a:rPr lang="de-CH" dirty="0"/>
+              <a:t>A</a:t>
+            </a:r>
+            <a:br>
+              <a:rPr lang="de-CH" dirty="0"/>
+            </a:br>
+            <a:r>
+              <a:rPr lang="de-CH" dirty="0"/>
+              <a:t>Frontend Client</a:t>
+            </a:r>
+            <a:br>
+              <a:rPr lang="de-CH" dirty="0"/>
+            </a:br>
+            <a:br>
+              <a:rPr lang="de-CH" sz="1400" dirty="0"/>
+            </a:br>
+            <a:r>
+              <a:rPr lang="de-CH" sz="1400" dirty="0" err="1"/>
+              <a:t>client</a:t>
+            </a:r>
+            <a:r>
+              <a:rPr lang="de-CH" sz="1400" dirty="0"/>
+              <a:t>/</a:t>
+            </a:r>
+            <a:r>
+              <a:rPr lang="de-CH" sz="1400" dirty="0" err="1"/>
+              <a:t>src</a:t>
+            </a:r>
+            <a:r>
+              <a:rPr lang="de-CH" sz="1400" dirty="0"/>
+              <a:t>/index.js</a:t>
+            </a:r>
+            <a:br>
+              <a:rPr lang="de-CH" sz="1400" dirty="0"/>
+            </a:br>
+            <a:endParaRPr lang="de-CH" sz="1400" dirty="0"/>
+          </a:p>
+        </p:txBody>
+      </p:sp>
+      <p:sp>
+        <p:nvSpPr>
+          <p:cNvPr id="6" name="Textfeld 5">
+            <a:extLst>
+              <a:ext uri="{FF2B5EF4-FFF2-40B4-BE49-F238E27FC236}">
+                <a16:creationId xmlns:a16="http://schemas.microsoft.com/office/drawing/2014/main" id="{7A062C87-9CBB-4648-8EEA-C10E78C8F51F}"/>
+              </a:ext>
+            </a:extLst>
+          </p:cNvPr>
+          <p:cNvSpPr txBox="1"/>
+          <p:nvPr/>
+        </p:nvSpPr>
+        <p:spPr>
+          <a:xfrm>
+            <a:off x="736600" y="809247"/>
+            <a:ext cx="11137900" cy="830997"/>
+          </a:xfrm>
+          <a:prstGeom prst="rect">
+            <a:avLst/>
+          </a:prstGeom>
+          <a:noFill/>
+        </p:spPr>
+        <p:txBody>
+          <a:bodyPr wrap="square" rtlCol="0">
+            <a:spAutoFit/>
+          </a:bodyPr>
+          <a:lstStyle/>
+          <a:p>
+            <a:pPr marL="360000" indent="-360000"/>
+            <a:r>
+              <a:rPr lang="de-CH" sz="2400" dirty="0"/>
+              <a:t>3. 	Monolith </a:t>
+            </a:r>
+            <a:r>
+              <a:rPr lang="de-CH" sz="2400" dirty="0" err="1"/>
+              <a:t>Dependency</a:t>
+            </a:r>
+            <a:r>
+              <a:rPr lang="de-CH" sz="2400" dirty="0"/>
+              <a:t> Graph –  </a:t>
+            </a:r>
+            <a:r>
+              <a:rPr lang="de-CH" sz="2400" dirty="0" err="1"/>
+              <a:t>Rework</a:t>
+            </a:r>
+            <a:r>
+              <a:rPr lang="de-CH" sz="2400" dirty="0"/>
+              <a:t> </a:t>
+            </a:r>
+            <a:r>
+              <a:rPr lang="de-CH" sz="2400" dirty="0" err="1"/>
+              <a:t>app</a:t>
+            </a:r>
+            <a:r>
+              <a:rPr lang="de-CH" sz="2400" dirty="0"/>
+              <a:t> </a:t>
+            </a:r>
+            <a:r>
+              <a:rPr lang="de-CH" sz="2400" dirty="0" err="1"/>
+              <a:t>by</a:t>
+            </a:r>
+            <a:r>
+              <a:rPr lang="de-CH" sz="2400" dirty="0"/>
+              <a:t> </a:t>
+            </a:r>
+            <a:r>
+              <a:rPr lang="de-CH" sz="2400" dirty="0" err="1"/>
+              <a:t>splitting</a:t>
+            </a:r>
+            <a:r>
+              <a:rPr lang="de-CH" sz="2400" dirty="0"/>
+              <a:t> «</a:t>
+            </a:r>
+            <a:r>
+              <a:rPr lang="de-CH" sz="2400" dirty="0" err="1"/>
+              <a:t>Notification</a:t>
+            </a:r>
+            <a:r>
+              <a:rPr lang="de-CH" sz="2400" dirty="0"/>
+              <a:t> and </a:t>
+            </a:r>
+            <a:r>
+              <a:rPr lang="de-CH" sz="2400" dirty="0" err="1"/>
+              <a:t>Employees</a:t>
+            </a:r>
+            <a:r>
+              <a:rPr lang="de-CH" sz="2400" dirty="0"/>
+              <a:t> Route» and </a:t>
+            </a:r>
+            <a:r>
+              <a:rPr lang="de-CH" sz="2400" dirty="0" err="1"/>
+              <a:t>by</a:t>
+            </a:r>
+            <a:r>
+              <a:rPr lang="de-CH" sz="2400" dirty="0"/>
+              <a:t> </a:t>
+            </a:r>
+            <a:r>
+              <a:rPr lang="de-CH" sz="2400" dirty="0" err="1"/>
+              <a:t>splitting</a:t>
+            </a:r>
+            <a:r>
+              <a:rPr lang="de-CH" sz="2400" dirty="0"/>
+              <a:t> «</a:t>
+            </a:r>
+            <a:r>
+              <a:rPr lang="de-CH" sz="2400" dirty="0" err="1"/>
+              <a:t>Employees</a:t>
+            </a:r>
+            <a:r>
+              <a:rPr lang="de-CH" sz="2400" dirty="0"/>
+              <a:t> Service» and «</a:t>
+            </a:r>
+            <a:r>
+              <a:rPr lang="de-CH" sz="2400" dirty="0" err="1"/>
+              <a:t>Notification</a:t>
+            </a:r>
+            <a:r>
+              <a:rPr lang="de-CH" sz="2400" dirty="0"/>
+              <a:t> Service»</a:t>
+            </a:r>
+          </a:p>
+        </p:txBody>
+      </p:sp>
+      <p:sp>
+        <p:nvSpPr>
+          <p:cNvPr id="8" name="Textfeld 7">
+            <a:extLst>
+              <a:ext uri="{FF2B5EF4-FFF2-40B4-BE49-F238E27FC236}">
+                <a16:creationId xmlns:a16="http://schemas.microsoft.com/office/drawing/2014/main" id="{AC29E983-DE75-4C38-81E5-8C3F81670678}"/>
+              </a:ext>
+            </a:extLst>
+          </p:cNvPr>
+          <p:cNvSpPr txBox="1"/>
+          <p:nvPr/>
+        </p:nvSpPr>
+        <p:spPr>
+          <a:xfrm>
+            <a:off x="4878111" y="1829828"/>
+            <a:ext cx="2374899" cy="1077218"/>
+          </a:xfrm>
+          <a:prstGeom prst="rect">
+            <a:avLst/>
+          </a:prstGeom>
+          <a:solidFill>
+            <a:schemeClr val="tx2">
+              <a:lumMod val="40000"/>
+              <a:lumOff val="60000"/>
+            </a:schemeClr>
+          </a:solidFill>
+        </p:spPr>
+        <p:txBody>
+          <a:bodyPr wrap="square" rtlCol="0">
+            <a:spAutoFit/>
+          </a:bodyPr>
+          <a:lstStyle/>
+          <a:p>
+            <a:pPr algn="ctr"/>
+            <a:r>
+              <a:rPr lang="de-CH" dirty="0"/>
+              <a:t>B </a:t>
+            </a:r>
+          </a:p>
+          <a:p>
+            <a:pPr marL="285750" indent="-285750" algn="ctr">
+              <a:buFont typeface="Arial" panose="020B0604020202020204" pitchFamily="34" charset="0"/>
+              <a:buChar char="•"/>
+            </a:pPr>
+            <a:r>
+              <a:rPr lang="de-CH" dirty="0"/>
+              <a:t>Customers Route</a:t>
+            </a:r>
+          </a:p>
+          <a:p>
+            <a:pPr algn="ctr"/>
+            <a:r>
+              <a:rPr lang="de-CH" sz="1400" dirty="0" err="1"/>
+              <a:t>loadCustomers</a:t>
+            </a:r>
+            <a:r>
+              <a:rPr lang="de-CH" sz="1400" dirty="0"/>
+              <a:t> = () </a:t>
+            </a:r>
+            <a:br>
+              <a:rPr lang="de-CH" sz="1400" dirty="0"/>
+            </a:br>
+            <a:r>
+              <a:rPr lang="de-CH" sz="1400" dirty="0"/>
+              <a:t>(/</a:t>
+            </a:r>
+            <a:r>
+              <a:rPr lang="de-CH" sz="1400" dirty="0" err="1"/>
+              <a:t>api</a:t>
+            </a:r>
+            <a:r>
+              <a:rPr lang="de-CH" sz="1400" dirty="0"/>
+              <a:t>/</a:t>
+            </a:r>
+            <a:r>
+              <a:rPr lang="de-CH" sz="1400" dirty="0" err="1"/>
+              <a:t>customers</a:t>
+            </a:r>
+            <a:r>
+              <a:rPr lang="de-CH" sz="1400" dirty="0"/>
+              <a:t>),GET</a:t>
+            </a:r>
+          </a:p>
+        </p:txBody>
+      </p:sp>
+      <p:cxnSp>
+        <p:nvCxnSpPr>
+          <p:cNvPr id="10" name="Gerade Verbindung mit Pfeil 9">
+            <a:extLst>
+              <a:ext uri="{FF2B5EF4-FFF2-40B4-BE49-F238E27FC236}">
+                <a16:creationId xmlns:a16="http://schemas.microsoft.com/office/drawing/2014/main" id="{194582D6-AA07-4C03-972E-63E7ECA885A1}"/>
+              </a:ext>
+            </a:extLst>
+          </p:cNvPr>
+          <p:cNvCxnSpPr>
+            <a:cxnSpLocks/>
+            <a:endCxn id="4" idx="3"/>
+          </p:cNvCxnSpPr>
+          <p:nvPr/>
+        </p:nvCxnSpPr>
+        <p:spPr>
+          <a:xfrm flipH="1">
+            <a:off x="3613839" y="2399581"/>
+            <a:ext cx="1264272" cy="1330225"/>
+          </a:xfrm>
+          <a:prstGeom prst="straightConnector1">
+            <a:avLst/>
+          </a:prstGeom>
+          <a:ln w="38100">
+            <a:tailEnd type="triangle"/>
+          </a:ln>
+        </p:spPr>
+        <p:style>
+          <a:lnRef idx="1">
+            <a:schemeClr val="accent1"/>
+          </a:lnRef>
+          <a:fillRef idx="0">
+            <a:schemeClr val="accent1"/>
+          </a:fillRef>
+          <a:effectRef idx="0">
+            <a:schemeClr val="accent1"/>
+          </a:effectRef>
+          <a:fontRef idx="minor">
+            <a:schemeClr val="tx1"/>
+          </a:fontRef>
+        </p:style>
+      </p:cxnSp>
+      <p:cxnSp>
+        <p:nvCxnSpPr>
+          <p:cNvPr id="13" name="Gerade Verbindung mit Pfeil 12">
+            <a:extLst>
+              <a:ext uri="{FF2B5EF4-FFF2-40B4-BE49-F238E27FC236}">
+                <a16:creationId xmlns:a16="http://schemas.microsoft.com/office/drawing/2014/main" id="{5D2D4CED-C5C1-49D4-9445-ED66A3591611}"/>
+              </a:ext>
+            </a:extLst>
+          </p:cNvPr>
+          <p:cNvCxnSpPr>
+            <a:cxnSpLocks/>
+            <a:stCxn id="22" idx="1"/>
+            <a:endCxn id="4" idx="3"/>
+          </p:cNvCxnSpPr>
+          <p:nvPr/>
+        </p:nvCxnSpPr>
+        <p:spPr>
+          <a:xfrm flipH="1" flipV="1">
+            <a:off x="3613839" y="3729806"/>
+            <a:ext cx="1294711" cy="190371"/>
+          </a:xfrm>
+          <a:prstGeom prst="straightConnector1">
+            <a:avLst/>
+          </a:prstGeom>
+          <a:ln w="38100">
+            <a:tailEnd type="triangle"/>
+          </a:ln>
+        </p:spPr>
+        <p:style>
+          <a:lnRef idx="1">
+            <a:schemeClr val="accent1"/>
+          </a:lnRef>
+          <a:fillRef idx="0">
+            <a:schemeClr val="accent1"/>
+          </a:fillRef>
+          <a:effectRef idx="0">
+            <a:schemeClr val="accent1"/>
+          </a:effectRef>
+          <a:fontRef idx="minor">
+            <a:schemeClr val="tx1"/>
+          </a:fontRef>
+        </p:style>
+      </p:cxnSp>
+      <p:sp>
+        <p:nvSpPr>
+          <p:cNvPr id="22" name="Textfeld 21">
+            <a:extLst>
+              <a:ext uri="{FF2B5EF4-FFF2-40B4-BE49-F238E27FC236}">
+                <a16:creationId xmlns:a16="http://schemas.microsoft.com/office/drawing/2014/main" id="{B2BCB524-8927-45F1-838D-04710BEDF303}"/>
+              </a:ext>
+            </a:extLst>
+          </p:cNvPr>
+          <p:cNvSpPr txBox="1"/>
+          <p:nvPr/>
+        </p:nvSpPr>
+        <p:spPr>
+          <a:xfrm>
+            <a:off x="4908550" y="3381568"/>
+            <a:ext cx="2374900" cy="1077218"/>
+          </a:xfrm>
+          <a:prstGeom prst="rect">
+            <a:avLst/>
+          </a:prstGeom>
+          <a:solidFill>
+            <a:schemeClr val="tx2">
+              <a:lumMod val="40000"/>
+              <a:lumOff val="60000"/>
+            </a:schemeClr>
+          </a:solidFill>
+        </p:spPr>
+        <p:txBody>
+          <a:bodyPr wrap="square" rtlCol="0">
+            <a:spAutoFit/>
+          </a:bodyPr>
+          <a:lstStyle/>
+          <a:p>
+            <a:pPr algn="ctr"/>
+            <a:r>
+              <a:rPr lang="de-CH" dirty="0"/>
+              <a:t>B </a:t>
+            </a:r>
+          </a:p>
+          <a:p>
+            <a:pPr marL="285750" indent="-285750" algn="ctr">
+              <a:buFont typeface="Arial" panose="020B0604020202020204" pitchFamily="34" charset="0"/>
+              <a:buChar char="•"/>
+            </a:pPr>
+            <a:r>
+              <a:rPr lang="de-CH" dirty="0" err="1"/>
+              <a:t>Employees</a:t>
+            </a:r>
+            <a:r>
+              <a:rPr lang="de-CH" dirty="0"/>
+              <a:t> Route</a:t>
+            </a:r>
+          </a:p>
+          <a:p>
+            <a:pPr algn="ctr"/>
+            <a:r>
+              <a:rPr lang="de-CH" sz="1400" dirty="0" err="1"/>
+              <a:t>loadEmployees</a:t>
+            </a:r>
+            <a:r>
+              <a:rPr lang="de-CH" sz="1400" dirty="0"/>
+              <a:t> = ()</a:t>
+            </a:r>
+            <a:br>
+              <a:rPr lang="de-CH" sz="1400" dirty="0"/>
+            </a:br>
+            <a:r>
+              <a:rPr lang="de-CH" sz="1400" dirty="0"/>
+              <a:t>(/</a:t>
+            </a:r>
+            <a:r>
+              <a:rPr lang="de-CH" sz="1400" dirty="0" err="1"/>
+              <a:t>api</a:t>
+            </a:r>
+            <a:r>
+              <a:rPr lang="de-CH" sz="1400" dirty="0"/>
+              <a:t>/</a:t>
+            </a:r>
+            <a:r>
+              <a:rPr lang="de-CH" sz="1400" dirty="0" err="1"/>
+              <a:t>employess</a:t>
+            </a:r>
+            <a:r>
+              <a:rPr lang="de-CH" sz="1400" dirty="0"/>
+              <a:t>),GET</a:t>
+            </a:r>
+          </a:p>
+        </p:txBody>
+      </p:sp>
+      <p:sp>
+        <p:nvSpPr>
+          <p:cNvPr id="15" name="Textfeld 14">
+            <a:extLst>
+              <a:ext uri="{FF2B5EF4-FFF2-40B4-BE49-F238E27FC236}">
+                <a16:creationId xmlns:a16="http://schemas.microsoft.com/office/drawing/2014/main" id="{5DAE4921-3F98-435D-828D-FD291230B356}"/>
+              </a:ext>
+            </a:extLst>
+          </p:cNvPr>
+          <p:cNvSpPr txBox="1"/>
+          <p:nvPr/>
+        </p:nvSpPr>
+        <p:spPr>
+          <a:xfrm>
+            <a:off x="8688111" y="1791728"/>
+            <a:ext cx="2374899" cy="1138773"/>
+          </a:xfrm>
+          <a:prstGeom prst="rect">
+            <a:avLst/>
+          </a:prstGeom>
+          <a:solidFill>
+            <a:schemeClr val="tx2">
+              <a:lumMod val="40000"/>
+              <a:lumOff val="60000"/>
+            </a:schemeClr>
+          </a:solidFill>
+        </p:spPr>
+        <p:txBody>
+          <a:bodyPr wrap="square" rtlCol="0">
+            <a:spAutoFit/>
+          </a:bodyPr>
+          <a:lstStyle/>
+          <a:p>
+            <a:pPr algn="ctr"/>
+            <a:r>
+              <a:rPr lang="de-CH" dirty="0"/>
+              <a:t>C </a:t>
+            </a:r>
+          </a:p>
+          <a:p>
+            <a:pPr marL="285750" indent="-285750" algn="ctr">
+              <a:buFont typeface="Arial" panose="020B0604020202020204" pitchFamily="34" charset="0"/>
+              <a:buChar char="•"/>
+            </a:pPr>
+            <a:r>
+              <a:rPr lang="de-CH" dirty="0"/>
+              <a:t>Customer Service</a:t>
+            </a:r>
+          </a:p>
+          <a:p>
+            <a:pPr algn="ctr"/>
+            <a:r>
+              <a:rPr lang="de-CH" sz="1400" dirty="0" err="1"/>
+              <a:t>def</a:t>
+            </a:r>
+            <a:r>
+              <a:rPr lang="de-CH" sz="1400" dirty="0"/>
+              <a:t> </a:t>
+            </a:r>
+            <a:r>
+              <a:rPr lang="de-CH" sz="1400" dirty="0" err="1"/>
+              <a:t>getCustomers</a:t>
+            </a:r>
+            <a:r>
+              <a:rPr lang="de-CH" sz="1400" dirty="0"/>
+              <a:t>()</a:t>
+            </a:r>
+            <a:br>
+              <a:rPr lang="de-CH" dirty="0"/>
+            </a:br>
+            <a:endParaRPr lang="de-CH" dirty="0"/>
+          </a:p>
+        </p:txBody>
+      </p:sp>
+      <p:cxnSp>
+        <p:nvCxnSpPr>
+          <p:cNvPr id="16" name="Gerade Verbindung mit Pfeil 15">
+            <a:extLst>
+              <a:ext uri="{FF2B5EF4-FFF2-40B4-BE49-F238E27FC236}">
+                <a16:creationId xmlns:a16="http://schemas.microsoft.com/office/drawing/2014/main" id="{42A741B9-7603-4560-8110-8698A5E08C4B}"/>
+              </a:ext>
+            </a:extLst>
+          </p:cNvPr>
+          <p:cNvCxnSpPr>
+            <a:cxnSpLocks/>
+            <a:stCxn id="15" idx="1"/>
+            <a:endCxn id="8" idx="3"/>
+          </p:cNvCxnSpPr>
+          <p:nvPr/>
+        </p:nvCxnSpPr>
+        <p:spPr>
+          <a:xfrm flipH="1">
+            <a:off x="7253010" y="2361115"/>
+            <a:ext cx="1435101" cy="7322"/>
+          </a:xfrm>
+          <a:prstGeom prst="straightConnector1">
+            <a:avLst/>
+          </a:prstGeom>
+          <a:ln w="38100">
+            <a:tailEnd type="triangle"/>
+          </a:ln>
+        </p:spPr>
+        <p:style>
+          <a:lnRef idx="1">
+            <a:schemeClr val="accent1"/>
+          </a:lnRef>
+          <a:fillRef idx="0">
+            <a:schemeClr val="accent1"/>
+          </a:fillRef>
+          <a:effectRef idx="0">
+            <a:schemeClr val="accent1"/>
+          </a:effectRef>
+          <a:fontRef idx="minor">
+            <a:schemeClr val="tx1"/>
+          </a:fontRef>
+        </p:style>
+      </p:cxnSp>
+      <p:sp>
+        <p:nvSpPr>
+          <p:cNvPr id="11" name="Textfeld 10">
+            <a:extLst>
+              <a:ext uri="{FF2B5EF4-FFF2-40B4-BE49-F238E27FC236}">
+                <a16:creationId xmlns:a16="http://schemas.microsoft.com/office/drawing/2014/main" id="{E12EA97D-6FBE-41C1-9FAF-09617149DFC7}"/>
+              </a:ext>
+            </a:extLst>
+          </p:cNvPr>
+          <p:cNvSpPr txBox="1"/>
+          <p:nvPr/>
+        </p:nvSpPr>
+        <p:spPr>
+          <a:xfrm>
+            <a:off x="8688110" y="3848917"/>
+            <a:ext cx="2374899" cy="1138773"/>
+          </a:xfrm>
+          <a:prstGeom prst="rect">
+            <a:avLst/>
+          </a:prstGeom>
+          <a:solidFill>
+            <a:schemeClr val="tx2">
+              <a:lumMod val="40000"/>
+              <a:lumOff val="60000"/>
+            </a:schemeClr>
+          </a:solidFill>
+        </p:spPr>
+        <p:txBody>
+          <a:bodyPr wrap="square" rtlCol="0">
+            <a:spAutoFit/>
+          </a:bodyPr>
+          <a:lstStyle/>
+          <a:p>
+            <a:pPr algn="ctr"/>
+            <a:r>
+              <a:rPr lang="de-CH" dirty="0"/>
+              <a:t>E </a:t>
+            </a:r>
+          </a:p>
+          <a:p>
+            <a:pPr marL="285750" indent="-285750" algn="ctr">
+              <a:buFont typeface="Arial" panose="020B0604020202020204" pitchFamily="34" charset="0"/>
+              <a:buChar char="•"/>
+            </a:pPr>
+            <a:r>
+              <a:rPr lang="de-CH" dirty="0" err="1"/>
+              <a:t>Employees</a:t>
+            </a:r>
+            <a:r>
+              <a:rPr lang="de-CH" dirty="0"/>
+              <a:t> Service</a:t>
+            </a:r>
+          </a:p>
+          <a:p>
+            <a:pPr algn="ctr"/>
+            <a:r>
+              <a:rPr lang="de-CH" sz="1400" dirty="0" err="1"/>
+              <a:t>def</a:t>
+            </a:r>
+            <a:r>
+              <a:rPr lang="de-CH" sz="1400" dirty="0"/>
+              <a:t> </a:t>
+            </a:r>
+            <a:r>
+              <a:rPr lang="de-CH" sz="1400" dirty="0" err="1"/>
+              <a:t>getEmployees</a:t>
+            </a:r>
+            <a:r>
+              <a:rPr lang="de-CH" sz="1400" dirty="0"/>
+              <a:t>()</a:t>
+            </a:r>
+            <a:br>
+              <a:rPr lang="de-CH" dirty="0"/>
+            </a:br>
+            <a:endParaRPr lang="de-CH" dirty="0"/>
+          </a:p>
+        </p:txBody>
+      </p:sp>
+      <p:sp>
+        <p:nvSpPr>
+          <p:cNvPr id="12" name="Textfeld 11">
+            <a:extLst>
+              <a:ext uri="{FF2B5EF4-FFF2-40B4-BE49-F238E27FC236}">
+                <a16:creationId xmlns:a16="http://schemas.microsoft.com/office/drawing/2014/main" id="{B216CF00-DE70-40DB-9B08-8126C19E483A}"/>
+              </a:ext>
+            </a:extLst>
+          </p:cNvPr>
+          <p:cNvSpPr txBox="1"/>
+          <p:nvPr/>
+        </p:nvSpPr>
+        <p:spPr>
+          <a:xfrm>
+            <a:off x="1729822" y="4904153"/>
+            <a:ext cx="3540678" cy="1292662"/>
+          </a:xfrm>
+          <a:prstGeom prst="rect">
+            <a:avLst/>
+          </a:prstGeom>
+          <a:solidFill>
+            <a:schemeClr val="tx2">
+              <a:lumMod val="40000"/>
+              <a:lumOff val="60000"/>
+            </a:schemeClr>
+          </a:solidFill>
+        </p:spPr>
+        <p:txBody>
+          <a:bodyPr wrap="square" rtlCol="0">
+            <a:spAutoFit/>
+          </a:bodyPr>
+          <a:lstStyle/>
+          <a:p>
+            <a:pPr algn="ctr"/>
+            <a:r>
+              <a:rPr lang="de-CH" dirty="0"/>
+              <a:t>D </a:t>
+            </a:r>
+          </a:p>
+          <a:p>
+            <a:pPr marL="285750" indent="-285750" algn="ctr">
+              <a:buFont typeface="Arial" panose="020B0604020202020204" pitchFamily="34" charset="0"/>
+              <a:buChar char="•"/>
+            </a:pPr>
+            <a:r>
+              <a:rPr lang="de-CH" dirty="0" err="1"/>
+              <a:t>Notification</a:t>
+            </a:r>
+            <a:r>
+              <a:rPr lang="de-CH" dirty="0"/>
+              <a:t> Route</a:t>
+            </a:r>
+          </a:p>
+          <a:p>
+            <a:pPr algn="ctr"/>
+            <a:endParaRPr lang="de-CH" sz="1400" dirty="0"/>
+          </a:p>
+          <a:p>
+            <a:pPr algn="ctr"/>
+            <a:r>
+              <a:rPr lang="de-CH" sz="1400" dirty="0"/>
+              <a:t>('/</a:t>
+            </a:r>
+            <a:r>
+              <a:rPr lang="de-CH" sz="1400" dirty="0" err="1"/>
+              <a:t>api</a:t>
+            </a:r>
+            <a:r>
+              <a:rPr lang="de-CH" sz="1400" dirty="0"/>
+              <a:t>/</a:t>
+            </a:r>
+            <a:r>
+              <a:rPr lang="de-CH" sz="1400" dirty="0" err="1"/>
+              <a:t>employees</a:t>
+            </a:r>
+            <a:r>
+              <a:rPr lang="de-CH" sz="1400" dirty="0"/>
+              <a:t>/</a:t>
+            </a:r>
+            <a:r>
+              <a:rPr lang="de-CH" sz="1400" dirty="0" err="1"/>
+              <a:t>notifications</a:t>
+            </a:r>
+            <a:r>
+              <a:rPr lang="de-CH" sz="1400" dirty="0"/>
+              <a:t>’),POST</a:t>
+            </a:r>
+          </a:p>
+          <a:p>
+            <a:pPr algn="ctr"/>
+            <a:endParaRPr lang="de-CH" sz="1400" dirty="0"/>
+          </a:p>
+        </p:txBody>
+      </p:sp>
+      <p:sp>
+        <p:nvSpPr>
+          <p:cNvPr id="14" name="Textfeld 13">
+            <a:extLst>
+              <a:ext uri="{FF2B5EF4-FFF2-40B4-BE49-F238E27FC236}">
+                <a16:creationId xmlns:a16="http://schemas.microsoft.com/office/drawing/2014/main" id="{39609A36-820C-4C1B-B1E4-B99B251C85CC}"/>
+              </a:ext>
+            </a:extLst>
+          </p:cNvPr>
+          <p:cNvSpPr txBox="1"/>
+          <p:nvPr/>
+        </p:nvSpPr>
+        <p:spPr>
+          <a:xfrm>
+            <a:off x="8688110" y="5479366"/>
+            <a:ext cx="2374899" cy="1077218"/>
+          </a:xfrm>
+          <a:prstGeom prst="rect">
+            <a:avLst/>
+          </a:prstGeom>
+          <a:solidFill>
+            <a:schemeClr val="tx2">
+              <a:lumMod val="40000"/>
+              <a:lumOff val="60000"/>
+            </a:schemeClr>
+          </a:solidFill>
+        </p:spPr>
+        <p:txBody>
+          <a:bodyPr wrap="square" rtlCol="0">
+            <a:spAutoFit/>
+          </a:bodyPr>
+          <a:lstStyle/>
+          <a:p>
+            <a:pPr algn="ctr"/>
+            <a:r>
+              <a:rPr lang="de-CH" dirty="0"/>
+              <a:t>F</a:t>
+            </a:r>
+          </a:p>
+          <a:p>
+            <a:pPr marL="285750" indent="-285750" algn="ctr">
+              <a:buFont typeface="Arial" panose="020B0604020202020204" pitchFamily="34" charset="0"/>
+              <a:buChar char="•"/>
+            </a:pPr>
+            <a:r>
+              <a:rPr lang="de-CH" dirty="0" err="1"/>
+              <a:t>Notification</a:t>
+            </a:r>
+            <a:r>
+              <a:rPr lang="de-CH" dirty="0"/>
+              <a:t> Service</a:t>
+            </a:r>
+          </a:p>
+          <a:p>
+            <a:pPr algn="ctr"/>
+            <a:r>
+              <a:rPr lang="de-CH" sz="1400" dirty="0" err="1"/>
+              <a:t>def</a:t>
+            </a:r>
+            <a:r>
+              <a:rPr lang="de-CH" sz="1400" dirty="0"/>
+              <a:t> </a:t>
+            </a:r>
+            <a:r>
+              <a:rPr lang="de-CH" sz="1400" dirty="0" err="1"/>
+              <a:t>send_notifications</a:t>
+            </a:r>
+            <a:br>
+              <a:rPr lang="de-CH" sz="1400" dirty="0"/>
+            </a:br>
+            <a:r>
+              <a:rPr lang="de-CH" sz="1400" dirty="0"/>
+              <a:t>(</a:t>
+            </a:r>
+            <a:r>
+              <a:rPr lang="de-CH" sz="1400" dirty="0" err="1"/>
+              <a:t>recipients</a:t>
+            </a:r>
+            <a:r>
+              <a:rPr lang="de-CH" sz="1400" dirty="0"/>
+              <a:t>)</a:t>
+            </a:r>
+            <a:endParaRPr lang="de-CH" dirty="0"/>
+          </a:p>
+        </p:txBody>
+      </p:sp>
+      <p:cxnSp>
+        <p:nvCxnSpPr>
+          <p:cNvPr id="17" name="Gerade Verbindung mit Pfeil 16">
+            <a:extLst>
+              <a:ext uri="{FF2B5EF4-FFF2-40B4-BE49-F238E27FC236}">
+                <a16:creationId xmlns:a16="http://schemas.microsoft.com/office/drawing/2014/main" id="{AB4F24AC-70C8-4287-9640-703BD76D87E6}"/>
+              </a:ext>
+            </a:extLst>
+          </p:cNvPr>
+          <p:cNvCxnSpPr>
+            <a:cxnSpLocks/>
+            <a:stCxn id="11" idx="1"/>
+            <a:endCxn id="22" idx="3"/>
+          </p:cNvCxnSpPr>
+          <p:nvPr/>
+        </p:nvCxnSpPr>
+        <p:spPr>
+          <a:xfrm flipH="1" flipV="1">
+            <a:off x="7283450" y="3920177"/>
+            <a:ext cx="1404660" cy="498127"/>
+          </a:xfrm>
+          <a:prstGeom prst="straightConnector1">
+            <a:avLst/>
+          </a:prstGeom>
+          <a:ln w="38100">
+            <a:tailEnd type="triangle"/>
+          </a:ln>
+        </p:spPr>
+        <p:style>
+          <a:lnRef idx="1">
+            <a:schemeClr val="accent1"/>
+          </a:lnRef>
+          <a:fillRef idx="0">
+            <a:schemeClr val="accent1"/>
+          </a:fillRef>
+          <a:effectRef idx="0">
+            <a:schemeClr val="accent1"/>
+          </a:effectRef>
+          <a:fontRef idx="minor">
+            <a:schemeClr val="tx1"/>
+          </a:fontRef>
+        </p:style>
+      </p:cxnSp>
+      <p:cxnSp>
+        <p:nvCxnSpPr>
+          <p:cNvPr id="18" name="Gerade Verbindung mit Pfeil 17">
+            <a:extLst>
+              <a:ext uri="{FF2B5EF4-FFF2-40B4-BE49-F238E27FC236}">
+                <a16:creationId xmlns:a16="http://schemas.microsoft.com/office/drawing/2014/main" id="{2D5C4C1D-2927-40EB-B9FB-3C902DF0BC0B}"/>
+              </a:ext>
+            </a:extLst>
+          </p:cNvPr>
+          <p:cNvCxnSpPr>
+            <a:cxnSpLocks/>
+            <a:endCxn id="12" idx="3"/>
+          </p:cNvCxnSpPr>
+          <p:nvPr/>
+        </p:nvCxnSpPr>
+        <p:spPr>
+          <a:xfrm flipH="1" flipV="1">
+            <a:off x="5270500" y="5550484"/>
+            <a:ext cx="3417612" cy="377676"/>
+          </a:xfrm>
+          <a:prstGeom prst="straightConnector1">
+            <a:avLst/>
+          </a:prstGeom>
+          <a:ln w="38100">
+            <a:tailEnd type="triangle"/>
+          </a:ln>
+        </p:spPr>
+        <p:style>
+          <a:lnRef idx="1">
+            <a:schemeClr val="accent1"/>
+          </a:lnRef>
+          <a:fillRef idx="0">
+            <a:schemeClr val="accent1"/>
+          </a:fillRef>
+          <a:effectRef idx="0">
+            <a:schemeClr val="accent1"/>
+          </a:effectRef>
+          <a:fontRef idx="minor">
+            <a:schemeClr val="tx1"/>
+          </a:fontRef>
+        </p:style>
+      </p:cxnSp>
+      <p:cxnSp>
+        <p:nvCxnSpPr>
+          <p:cNvPr id="19" name="Gerade Verbindung mit Pfeil 18">
+            <a:extLst>
+              <a:ext uri="{FF2B5EF4-FFF2-40B4-BE49-F238E27FC236}">
+                <a16:creationId xmlns:a16="http://schemas.microsoft.com/office/drawing/2014/main" id="{A6EB1543-87E6-4C15-BB0B-B141628C6EC3}"/>
+              </a:ext>
+            </a:extLst>
+          </p:cNvPr>
+          <p:cNvCxnSpPr>
+            <a:cxnSpLocks/>
+            <a:stCxn id="11" idx="1"/>
+            <a:endCxn id="12" idx="3"/>
+          </p:cNvCxnSpPr>
+          <p:nvPr/>
+        </p:nvCxnSpPr>
+        <p:spPr>
+          <a:xfrm flipH="1">
+            <a:off x="5270500" y="4418304"/>
+            <a:ext cx="3417610" cy="1132180"/>
+          </a:xfrm>
+          <a:prstGeom prst="straightConnector1">
+            <a:avLst/>
+          </a:prstGeom>
+          <a:ln w="38100">
+            <a:tailEnd type="triangle"/>
+          </a:ln>
+        </p:spPr>
+        <p:style>
+          <a:lnRef idx="1">
+            <a:schemeClr val="accent1"/>
+          </a:lnRef>
+          <a:fillRef idx="0">
+            <a:schemeClr val="accent1"/>
+          </a:fillRef>
+          <a:effectRef idx="0">
+            <a:schemeClr val="accent1"/>
+          </a:effectRef>
+          <a:fontRef idx="minor">
+            <a:schemeClr val="tx1"/>
+          </a:fontRef>
+        </p:style>
+      </p:cxnSp>
+    </p:spTree>
+    <p:extLst>
+      <p:ext uri="{BB962C8B-B14F-4D97-AF65-F5344CB8AC3E}">
+        <p14:creationId xmlns:p14="http://schemas.microsoft.com/office/powerpoint/2010/main" val="3247841153"/>
       </p:ext>
     </p:extLst>
   </p:cSld>
